--- a/Parallax Occlusion Mapping presentation.pptx
+++ b/Parallax Occlusion Mapping presentation.pptx
@@ -128,6 +128,9 @@
         </p14:section>
       </p14:sectionLst>
     </p:ext>
+    <p:ext uri="{EFAFB233-063F-42B5-8137-9DF3F51BA10A}">
+      <p15:sldGuideLst xmlns:p15="http://schemas.microsoft.com/office/powerpoint/2012/main"/>
+    </p:ext>
   </p:extLst>
 </p:presentation>
 </file>
@@ -302,7 +305,7 @@
           <a:p>
             <a:fld id="{48A87A34-81AB-432B-8DAE-1953F412C126}" type="datetimeFigureOut">
               <a:rPr lang="en-US" dirty="0"/>
-              <a:t>12/4/2013</a:t>
+              <a:t>12/5/2013</a:t>
             </a:fld>
             <a:endParaRPr lang="en-US" dirty="0"/>
           </a:p>
@@ -564,7 +567,7 @@
           <a:p>
             <a:fld id="{48A87A34-81AB-432B-8DAE-1953F412C126}" type="datetimeFigureOut">
               <a:rPr lang="en-US" dirty="0"/>
-              <a:t>12/4/2013</a:t>
+              <a:t>12/5/2013</a:t>
             </a:fld>
             <a:endParaRPr lang="en-US" dirty="0"/>
           </a:p>
@@ -791,7 +794,7 @@
             <a:fld id="{48A87A34-81AB-432B-8DAE-1953F412C126}" type="datetimeFigureOut">
               <a:rPr lang="en-US" dirty="0"/>
               <a:pPr/>
-              <a:t>12/4/2013</a:t>
+              <a:t>12/5/2013</a:t>
             </a:fld>
             <a:endParaRPr lang="en-US" dirty="0"/>
           </a:p>
@@ -1097,7 +1100,7 @@
             <a:fld id="{48A87A34-81AB-432B-8DAE-1953F412C126}" type="datetimeFigureOut">
               <a:rPr lang="en-US" dirty="0"/>
               <a:pPr/>
-              <a:t>12/4/2013</a:t>
+              <a:t>12/5/2013</a:t>
             </a:fld>
             <a:endParaRPr lang="en-US" dirty="0"/>
           </a:p>
@@ -1566,7 +1569,7 @@
             <a:fld id="{48A87A34-81AB-432B-8DAE-1953F412C126}" type="datetimeFigureOut">
               <a:rPr lang="en-US" dirty="0"/>
               <a:pPr/>
-              <a:t>12/4/2013</a:t>
+              <a:t>12/5/2013</a:t>
             </a:fld>
             <a:endParaRPr lang="en-US" dirty="0"/>
           </a:p>
@@ -2108,7 +2111,7 @@
           <a:p>
             <a:fld id="{48A87A34-81AB-432B-8DAE-1953F412C126}" type="datetimeFigureOut">
               <a:rPr lang="en-US" dirty="0"/>
-              <a:t>12/4/2013</a:t>
+              <a:t>12/5/2013</a:t>
             </a:fld>
             <a:endParaRPr lang="en-US" dirty="0"/>
           </a:p>
@@ -2877,7 +2880,7 @@
           <a:p>
             <a:fld id="{48A87A34-81AB-432B-8DAE-1953F412C126}" type="datetimeFigureOut">
               <a:rPr lang="en-US" dirty="0"/>
-              <a:t>12/4/2013</a:t>
+              <a:t>12/5/2013</a:t>
             </a:fld>
             <a:endParaRPr lang="en-US" dirty="0"/>
           </a:p>
@@ -3047,7 +3050,7 @@
           <a:p>
             <a:fld id="{48A87A34-81AB-432B-8DAE-1953F412C126}" type="datetimeFigureOut">
               <a:rPr lang="en-US" dirty="0"/>
-              <a:t>12/4/2013</a:t>
+              <a:t>12/5/2013</a:t>
             </a:fld>
             <a:endParaRPr lang="en-US" dirty="0"/>
           </a:p>
@@ -3266,7 +3269,7 @@
             <a:fld id="{48A87A34-81AB-432B-8DAE-1953F412C126}" type="datetimeFigureOut">
               <a:rPr lang="en-US" dirty="0"/>
               <a:pPr/>
-              <a:t>12/4/2013</a:t>
+              <a:t>12/5/2013</a:t>
             </a:fld>
             <a:endParaRPr lang="en-US" dirty="0"/>
           </a:p>
@@ -3441,7 +3444,7 @@
           <a:p>
             <a:fld id="{48A87A34-81AB-432B-8DAE-1953F412C126}" type="datetimeFigureOut">
               <a:rPr lang="en-US" dirty="0"/>
-              <a:t>12/4/2013</a:t>
+              <a:t>12/5/2013</a:t>
             </a:fld>
             <a:endParaRPr lang="en-US" dirty="0"/>
           </a:p>
@@ -3726,7 +3729,7 @@
             <a:fld id="{48A87A34-81AB-432B-8DAE-1953F412C126}" type="datetimeFigureOut">
               <a:rPr lang="en-US" dirty="0"/>
               <a:pPr/>
-              <a:t>12/4/2013</a:t>
+              <a:t>12/5/2013</a:t>
             </a:fld>
             <a:endParaRPr lang="en-US" dirty="0"/>
           </a:p>
@@ -3963,7 +3966,7 @@
           <a:p>
             <a:fld id="{48A87A34-81AB-432B-8DAE-1953F412C126}" type="datetimeFigureOut">
               <a:rPr lang="en-US" dirty="0"/>
-              <a:t>12/4/2013</a:t>
+              <a:t>12/5/2013</a:t>
             </a:fld>
             <a:endParaRPr lang="en-US" dirty="0"/>
           </a:p>
@@ -4337,7 +4340,7 @@
           <a:p>
             <a:fld id="{48A87A34-81AB-432B-8DAE-1953F412C126}" type="datetimeFigureOut">
               <a:rPr lang="en-US" dirty="0"/>
-              <a:t>12/4/2013</a:t>
+              <a:t>12/5/2013</a:t>
             </a:fld>
             <a:endParaRPr lang="en-US" dirty="0"/>
           </a:p>
@@ -4450,7 +4453,7 @@
           <a:p>
             <a:fld id="{48A87A34-81AB-432B-8DAE-1953F412C126}" type="datetimeFigureOut">
               <a:rPr lang="en-US" dirty="0"/>
-              <a:t>12/4/2013</a:t>
+              <a:t>12/5/2013</a:t>
             </a:fld>
             <a:endParaRPr lang="en-US" dirty="0"/>
           </a:p>
@@ -4540,7 +4543,7 @@
           <a:p>
             <a:fld id="{48A87A34-81AB-432B-8DAE-1953F412C126}" type="datetimeFigureOut">
               <a:rPr lang="en-US" dirty="0"/>
-              <a:t>12/4/2013</a:t>
+              <a:t>12/5/2013</a:t>
             </a:fld>
             <a:endParaRPr lang="en-US" dirty="0"/>
           </a:p>
@@ -4784,7 +4787,7 @@
           <a:p>
             <a:fld id="{48A87A34-81AB-432B-8DAE-1953F412C126}" type="datetimeFigureOut">
               <a:rPr lang="en-US" dirty="0"/>
-              <a:t>12/4/2013</a:t>
+              <a:t>12/5/2013</a:t>
             </a:fld>
             <a:endParaRPr lang="en-US" dirty="0"/>
           </a:p>
@@ -5036,7 +5039,7 @@
           <a:p>
             <a:fld id="{48A87A34-81AB-432B-8DAE-1953F412C126}" type="datetimeFigureOut">
               <a:rPr lang="en-US" dirty="0"/>
-              <a:t>12/4/2013</a:t>
+              <a:t>12/5/2013</a:t>
             </a:fld>
             <a:endParaRPr lang="en-US" dirty="0"/>
           </a:p>
@@ -5275,7 +5278,7 @@
             <a:fld id="{48A87A34-81AB-432B-8DAE-1953F412C126}" type="datetimeFigureOut">
               <a:rPr lang="en-US" dirty="0"/>
               <a:pPr/>
-              <a:t>12/4/2013</a:t>
+              <a:t>12/5/2013</a:t>
             </a:fld>
             <a:endParaRPr lang="en-US" dirty="0"/>
           </a:p>
@@ -6401,23 +6404,17 @@
           <a:p>
             <a:r>
               <a:rPr lang="en-US" sz="4000" dirty="0" smtClean="0"/>
-              <a:t>Offset Textures on a plane</a:t>
-            </a:r>
-          </a:p>
-          <a:p>
-            <a:pPr lvl="1"/>
-            <a:r>
-              <a:rPr lang="en-US" sz="3800" dirty="0" smtClean="0"/>
-              <a:t>Further objects move faster</a:t>
-            </a:r>
-          </a:p>
-          <a:p>
-            <a:pPr lvl="1"/>
-            <a:r>
-              <a:rPr lang="en-US" sz="3800" dirty="0" smtClean="0"/>
-              <a:t>Closer objects move slower</a:t>
-            </a:r>
-            <a:endParaRPr lang="en-US" sz="3800" dirty="0"/>
+              <a:t>Offset Textures on </a:t>
+            </a:r>
+            <a:r>
+              <a:rPr lang="en-US" sz="4000" smtClean="0"/>
+              <a:t>a </a:t>
+            </a:r>
+            <a:r>
+              <a:rPr lang="en-US" sz="4000" smtClean="0"/>
+              <a:t>plane</a:t>
+            </a:r>
+            <a:endParaRPr lang="en-US" sz="4000" dirty="0" smtClean="0"/>
           </a:p>
         </p:txBody>
       </p:sp>
@@ -6631,68 +6628,6 @@
                                           <p:spTgt spid="3">
                                             <p:txEl>
                                               <p:pRg st="3" end="3"/>
-                                            </p:txEl>
-                                          </p:spTgt>
-                                        </p:tgtEl>
-                                        <p:attrNameLst>
-                                          <p:attrName>style.visibility</p:attrName>
-                                        </p:attrNameLst>
-                                      </p:cBhvr>
-                                      <p:to>
-                                        <p:strVal val="visible"/>
-                                      </p:to>
-                                    </p:set>
-                                  </p:childTnLst>
-                                </p:cTn>
-                              </p:par>
-                              <p:par>
-                                <p:cTn id="17" presetID="1" presetClass="entr" presetSubtype="0" fill="hold" grpId="0" nodeType="withEffect">
-                                  <p:stCondLst>
-                                    <p:cond delay="0"/>
-                                  </p:stCondLst>
-                                  <p:childTnLst>
-                                    <p:set>
-                                      <p:cBhvr>
-                                        <p:cTn id="18" dur="1" fill="hold">
-                                          <p:stCondLst>
-                                            <p:cond delay="0"/>
-                                          </p:stCondLst>
-                                        </p:cTn>
-                                        <p:tgtEl>
-                                          <p:spTgt spid="3">
-                                            <p:txEl>
-                                              <p:pRg st="4" end="4"/>
-                                            </p:txEl>
-                                          </p:spTgt>
-                                        </p:tgtEl>
-                                        <p:attrNameLst>
-                                          <p:attrName>style.visibility</p:attrName>
-                                        </p:attrNameLst>
-                                      </p:cBhvr>
-                                      <p:to>
-                                        <p:strVal val="visible"/>
-                                      </p:to>
-                                    </p:set>
-                                  </p:childTnLst>
-                                </p:cTn>
-                              </p:par>
-                              <p:par>
-                                <p:cTn id="19" presetID="1" presetClass="entr" presetSubtype="0" fill="hold" grpId="0" nodeType="withEffect">
-                                  <p:stCondLst>
-                                    <p:cond delay="0"/>
-                                  </p:stCondLst>
-                                  <p:childTnLst>
-                                    <p:set>
-                                      <p:cBhvr>
-                                        <p:cTn id="20" dur="1" fill="hold">
-                                          <p:stCondLst>
-                                            <p:cond delay="0"/>
-                                          </p:stCondLst>
-                                        </p:cTn>
-                                        <p:tgtEl>
-                                          <p:spTgt spid="3">
-                                            <p:txEl>
-                                              <p:pRg st="5" end="5"/>
                                             </p:txEl>
                                           </p:spTgt>
                                         </p:tgtEl>
